--- a/docs/diagrams/LogicComponentClassDiagram.pptx
+++ b/docs/diagrams/LogicComponentClassDiagram.pptx
@@ -126,10 +126,6 @@
 </p:presentation>
 </file>
 
-<file path=ppt/revisionInfo.xml><?xml version="1.0" encoding="utf-8"?>
-<p1510:revInfo xmlns:a="http://schemas.openxmlformats.org/drawingml/2006/main" xmlns:r="http://schemas.openxmlformats.org/officeDocument/2006/relationships" xmlns:p1510="http://schemas.microsoft.com/office/powerpoint/2015/10/main"/>
-</file>
-
 <file path=ppt/notesMasters/notesMaster1.xml><?xml version="1.0" encoding="utf-8"?>
 <p:notesMaster xmlns:a="http://schemas.openxmlformats.org/drawingml/2006/main" xmlns:r="http://schemas.openxmlformats.org/officeDocument/2006/relationships" xmlns:p="http://schemas.openxmlformats.org/presentationml/2006/main">
   <p:cSld>
@@ -179,7 +175,7 @@
             </a:lvl1pPr>
           </a:lstStyle>
           <a:p>
-            <a:endParaRPr lang="en-US"/>
+            <a:endParaRPr lang="en-US" dirty="0"/>
           </a:p>
         </p:txBody>
       </p:sp>
@@ -212,9 +208,9 @@
           <a:p>
             <a:fld id="{F5CC4B3F-88C1-4FFA-B1B6-F41C21DC6924}" type="datetimeFigureOut">
               <a:rPr lang="en-US" smtClean="0"/>
-              <a:t>7/20/17</a:t>
+              <a:t>3/14/2018</a:t>
             </a:fld>
-            <a:endParaRPr lang="en-US"/>
+            <a:endParaRPr lang="en-US" dirty="0"/>
           </a:p>
         </p:txBody>
       </p:sp>
@@ -247,7 +243,7 @@
           <a:bodyPr vert="horz" lIns="91440" tIns="45720" rIns="91440" bIns="45720" rtlCol="0" anchor="ctr"/>
           <a:lstStyle/>
           <a:p>
-            <a:endParaRPr lang="en-US"/>
+            <a:endParaRPr lang="en-US" dirty="0"/>
           </a:p>
         </p:txBody>
       </p:sp>
@@ -337,7 +333,7 @@
             </a:lvl1pPr>
           </a:lstStyle>
           <a:p>
-            <a:endParaRPr lang="en-US"/>
+            <a:endParaRPr lang="en-US" dirty="0"/>
           </a:p>
         </p:txBody>
       </p:sp>
@@ -372,7 +368,7 @@
               <a:rPr lang="en-US" smtClean="0"/>
               <a:t>‹#›</a:t>
             </a:fld>
-            <a:endParaRPr lang="en-US"/>
+            <a:endParaRPr lang="en-US" dirty="0"/>
           </a:p>
         </p:txBody>
       </p:sp>
@@ -658,9 +654,9 @@
           <a:p>
             <a:fld id="{78C97017-6FC3-485B-9764-EAC9E56C1D49}" type="datetimeFigureOut">
               <a:rPr lang="en-US" smtClean="0"/>
-              <a:t>7/20/17</a:t>
+              <a:t>3/14/2018</a:t>
             </a:fld>
-            <a:endParaRPr lang="en-US"/>
+            <a:endParaRPr lang="en-US" dirty="0"/>
           </a:p>
         </p:txBody>
       </p:sp>
@@ -679,7 +675,7 @@
           <a:bodyPr/>
           <a:lstStyle/>
           <a:p>
-            <a:endParaRPr lang="en-US"/>
+            <a:endParaRPr lang="en-US" dirty="0"/>
           </a:p>
         </p:txBody>
       </p:sp>
@@ -702,7 +698,7 @@
               <a:rPr lang="en-US" smtClean="0"/>
               <a:t>‹#›</a:t>
             </a:fld>
-            <a:endParaRPr lang="en-US"/>
+            <a:endParaRPr lang="en-US" dirty="0"/>
           </a:p>
         </p:txBody>
       </p:sp>
@@ -826,9 +822,9 @@
           <a:p>
             <a:fld id="{78C97017-6FC3-485B-9764-EAC9E56C1D49}" type="datetimeFigureOut">
               <a:rPr lang="en-US" smtClean="0"/>
-              <a:t>7/20/17</a:t>
+              <a:t>3/14/2018</a:t>
             </a:fld>
-            <a:endParaRPr lang="en-US"/>
+            <a:endParaRPr lang="en-US" dirty="0"/>
           </a:p>
         </p:txBody>
       </p:sp>
@@ -847,7 +843,7 @@
           <a:bodyPr/>
           <a:lstStyle/>
           <a:p>
-            <a:endParaRPr lang="en-US"/>
+            <a:endParaRPr lang="en-US" dirty="0"/>
           </a:p>
         </p:txBody>
       </p:sp>
@@ -870,7 +866,7 @@
               <a:rPr lang="en-US" smtClean="0"/>
               <a:t>‹#›</a:t>
             </a:fld>
-            <a:endParaRPr lang="en-US"/>
+            <a:endParaRPr lang="en-US" dirty="0"/>
           </a:p>
         </p:txBody>
       </p:sp>
@@ -1004,9 +1000,9 @@
           <a:p>
             <a:fld id="{78C97017-6FC3-485B-9764-EAC9E56C1D49}" type="datetimeFigureOut">
               <a:rPr lang="en-US" smtClean="0"/>
-              <a:t>7/20/17</a:t>
+              <a:t>3/14/2018</a:t>
             </a:fld>
-            <a:endParaRPr lang="en-US"/>
+            <a:endParaRPr lang="en-US" dirty="0"/>
           </a:p>
         </p:txBody>
       </p:sp>
@@ -1025,7 +1021,7 @@
           <a:bodyPr/>
           <a:lstStyle/>
           <a:p>
-            <a:endParaRPr lang="en-US"/>
+            <a:endParaRPr lang="en-US" dirty="0"/>
           </a:p>
         </p:txBody>
       </p:sp>
@@ -1048,7 +1044,7 @@
               <a:rPr lang="en-US" smtClean="0"/>
               <a:t>‹#›</a:t>
             </a:fld>
-            <a:endParaRPr lang="en-US"/>
+            <a:endParaRPr lang="en-US" dirty="0"/>
           </a:p>
         </p:txBody>
       </p:sp>
@@ -1172,9 +1168,9 @@
           <a:p>
             <a:fld id="{78C97017-6FC3-485B-9764-EAC9E56C1D49}" type="datetimeFigureOut">
               <a:rPr lang="en-US" smtClean="0"/>
-              <a:t>7/20/17</a:t>
+              <a:t>3/14/2018</a:t>
             </a:fld>
-            <a:endParaRPr lang="en-US"/>
+            <a:endParaRPr lang="en-US" dirty="0"/>
           </a:p>
         </p:txBody>
       </p:sp>
@@ -1193,7 +1189,7 @@
           <a:bodyPr/>
           <a:lstStyle/>
           <a:p>
-            <a:endParaRPr lang="en-US"/>
+            <a:endParaRPr lang="en-US" dirty="0"/>
           </a:p>
         </p:txBody>
       </p:sp>
@@ -1216,7 +1212,7 @@
               <a:rPr lang="en-US" smtClean="0"/>
               <a:t>‹#›</a:t>
             </a:fld>
-            <a:endParaRPr lang="en-US"/>
+            <a:endParaRPr lang="en-US" dirty="0"/>
           </a:p>
         </p:txBody>
       </p:sp>
@@ -1417,9 +1413,9 @@
           <a:p>
             <a:fld id="{78C97017-6FC3-485B-9764-EAC9E56C1D49}" type="datetimeFigureOut">
               <a:rPr lang="en-US" smtClean="0"/>
-              <a:t>7/20/17</a:t>
+              <a:t>3/14/2018</a:t>
             </a:fld>
-            <a:endParaRPr lang="en-US"/>
+            <a:endParaRPr lang="en-US" dirty="0"/>
           </a:p>
         </p:txBody>
       </p:sp>
@@ -1438,7 +1434,7 @@
           <a:bodyPr/>
           <a:lstStyle/>
           <a:p>
-            <a:endParaRPr lang="en-US"/>
+            <a:endParaRPr lang="en-US" dirty="0"/>
           </a:p>
         </p:txBody>
       </p:sp>
@@ -1461,7 +1457,7 @@
               <a:rPr lang="en-US" smtClean="0"/>
               <a:t>‹#›</a:t>
             </a:fld>
-            <a:endParaRPr lang="en-US"/>
+            <a:endParaRPr lang="en-US" dirty="0"/>
           </a:p>
         </p:txBody>
       </p:sp>
@@ -1702,9 +1698,9 @@
           <a:p>
             <a:fld id="{78C97017-6FC3-485B-9764-EAC9E56C1D49}" type="datetimeFigureOut">
               <a:rPr lang="en-US" smtClean="0"/>
-              <a:t>7/20/17</a:t>
+              <a:t>3/14/2018</a:t>
             </a:fld>
-            <a:endParaRPr lang="en-US"/>
+            <a:endParaRPr lang="en-US" dirty="0"/>
           </a:p>
         </p:txBody>
       </p:sp>
@@ -1723,7 +1719,7 @@
           <a:bodyPr/>
           <a:lstStyle/>
           <a:p>
-            <a:endParaRPr lang="en-US"/>
+            <a:endParaRPr lang="en-US" dirty="0"/>
           </a:p>
         </p:txBody>
       </p:sp>
@@ -1746,7 +1742,7 @@
               <a:rPr lang="en-US" smtClean="0"/>
               <a:t>‹#›</a:t>
             </a:fld>
-            <a:endParaRPr lang="en-US"/>
+            <a:endParaRPr lang="en-US" dirty="0"/>
           </a:p>
         </p:txBody>
       </p:sp>
@@ -2121,9 +2117,9 @@
           <a:p>
             <a:fld id="{78C97017-6FC3-485B-9764-EAC9E56C1D49}" type="datetimeFigureOut">
               <a:rPr lang="en-US" smtClean="0"/>
-              <a:t>7/20/17</a:t>
+              <a:t>3/14/2018</a:t>
             </a:fld>
-            <a:endParaRPr lang="en-US"/>
+            <a:endParaRPr lang="en-US" dirty="0"/>
           </a:p>
         </p:txBody>
       </p:sp>
@@ -2142,7 +2138,7 @@
           <a:bodyPr/>
           <a:lstStyle/>
           <a:p>
-            <a:endParaRPr lang="en-US"/>
+            <a:endParaRPr lang="en-US" dirty="0"/>
           </a:p>
         </p:txBody>
       </p:sp>
@@ -2165,7 +2161,7 @@
               <a:rPr lang="en-US" smtClean="0"/>
               <a:t>‹#›</a:t>
             </a:fld>
-            <a:endParaRPr lang="en-US"/>
+            <a:endParaRPr lang="en-US" dirty="0"/>
           </a:p>
         </p:txBody>
       </p:sp>
@@ -2238,9 +2234,9 @@
           <a:p>
             <a:fld id="{78C97017-6FC3-485B-9764-EAC9E56C1D49}" type="datetimeFigureOut">
               <a:rPr lang="en-US" smtClean="0"/>
-              <a:t>7/20/17</a:t>
+              <a:t>3/14/2018</a:t>
             </a:fld>
-            <a:endParaRPr lang="en-US"/>
+            <a:endParaRPr lang="en-US" dirty="0"/>
           </a:p>
         </p:txBody>
       </p:sp>
@@ -2259,7 +2255,7 @@
           <a:bodyPr/>
           <a:lstStyle/>
           <a:p>
-            <a:endParaRPr lang="en-US"/>
+            <a:endParaRPr lang="en-US" dirty="0"/>
           </a:p>
         </p:txBody>
       </p:sp>
@@ -2282,7 +2278,7 @@
               <a:rPr lang="en-US" smtClean="0"/>
               <a:t>‹#›</a:t>
             </a:fld>
-            <a:endParaRPr lang="en-US"/>
+            <a:endParaRPr lang="en-US" dirty="0"/>
           </a:p>
         </p:txBody>
       </p:sp>
@@ -2333,9 +2329,9 @@
           <a:p>
             <a:fld id="{78C97017-6FC3-485B-9764-EAC9E56C1D49}" type="datetimeFigureOut">
               <a:rPr lang="en-US" smtClean="0"/>
-              <a:t>7/20/17</a:t>
+              <a:t>3/14/2018</a:t>
             </a:fld>
-            <a:endParaRPr lang="en-US"/>
+            <a:endParaRPr lang="en-US" dirty="0"/>
           </a:p>
         </p:txBody>
       </p:sp>
@@ -2354,7 +2350,7 @@
           <a:bodyPr/>
           <a:lstStyle/>
           <a:p>
-            <a:endParaRPr lang="en-US"/>
+            <a:endParaRPr lang="en-US" dirty="0"/>
           </a:p>
         </p:txBody>
       </p:sp>
@@ -2377,7 +2373,7 @@
               <a:rPr lang="en-US" smtClean="0"/>
               <a:t>‹#›</a:t>
             </a:fld>
-            <a:endParaRPr lang="en-US"/>
+            <a:endParaRPr lang="en-US" dirty="0"/>
           </a:p>
         </p:txBody>
       </p:sp>
@@ -2608,9 +2604,9 @@
           <a:p>
             <a:fld id="{78C97017-6FC3-485B-9764-EAC9E56C1D49}" type="datetimeFigureOut">
               <a:rPr lang="en-US" smtClean="0"/>
-              <a:t>7/20/17</a:t>
+              <a:t>3/14/2018</a:t>
             </a:fld>
-            <a:endParaRPr lang="en-US"/>
+            <a:endParaRPr lang="en-US" dirty="0"/>
           </a:p>
         </p:txBody>
       </p:sp>
@@ -2629,7 +2625,7 @@
           <a:bodyPr/>
           <a:lstStyle/>
           <a:p>
-            <a:endParaRPr lang="en-US"/>
+            <a:endParaRPr lang="en-US" dirty="0"/>
           </a:p>
         </p:txBody>
       </p:sp>
@@ -2652,7 +2648,7 @@
               <a:rPr lang="en-US" smtClean="0"/>
               <a:t>‹#›</a:t>
             </a:fld>
-            <a:endParaRPr lang="en-US"/>
+            <a:endParaRPr lang="en-US" dirty="0"/>
           </a:p>
         </p:txBody>
       </p:sp>
@@ -2774,7 +2770,7 @@
             </a:lvl9pPr>
           </a:lstStyle>
           <a:p>
-            <a:endParaRPr lang="en-US"/>
+            <a:endParaRPr lang="en-US" dirty="0"/>
           </a:p>
         </p:txBody>
       </p:sp>
@@ -2860,9 +2856,9 @@
           <a:p>
             <a:fld id="{78C97017-6FC3-485B-9764-EAC9E56C1D49}" type="datetimeFigureOut">
               <a:rPr lang="en-US" smtClean="0"/>
-              <a:t>7/20/17</a:t>
+              <a:t>3/14/2018</a:t>
             </a:fld>
-            <a:endParaRPr lang="en-US"/>
+            <a:endParaRPr lang="en-US" dirty="0"/>
           </a:p>
         </p:txBody>
       </p:sp>
@@ -2881,7 +2877,7 @@
           <a:bodyPr/>
           <a:lstStyle/>
           <a:p>
-            <a:endParaRPr lang="en-US"/>
+            <a:endParaRPr lang="en-US" dirty="0"/>
           </a:p>
         </p:txBody>
       </p:sp>
@@ -2904,7 +2900,7 @@
               <a:rPr lang="en-US" smtClean="0"/>
               <a:t>‹#›</a:t>
             </a:fld>
-            <a:endParaRPr lang="en-US"/>
+            <a:endParaRPr lang="en-US" dirty="0"/>
           </a:p>
         </p:txBody>
       </p:sp>
@@ -3071,9 +3067,9 @@
           <a:p>
             <a:fld id="{78C97017-6FC3-485B-9764-EAC9E56C1D49}" type="datetimeFigureOut">
               <a:rPr lang="en-US" smtClean="0"/>
-              <a:t>7/20/17</a:t>
+              <a:t>3/14/2018</a:t>
             </a:fld>
-            <a:endParaRPr lang="en-US"/>
+            <a:endParaRPr lang="en-US" dirty="0"/>
           </a:p>
         </p:txBody>
       </p:sp>
@@ -3110,7 +3106,7 @@
             </a:lvl1pPr>
           </a:lstStyle>
           <a:p>
-            <a:endParaRPr lang="en-US"/>
+            <a:endParaRPr lang="en-US" dirty="0"/>
           </a:p>
         </p:txBody>
       </p:sp>
@@ -3151,7 +3147,7 @@
               <a:rPr lang="en-US" smtClean="0"/>
               <a:t>‹#›</a:t>
             </a:fld>
-            <a:endParaRPr lang="en-US"/>
+            <a:endParaRPr lang="en-US" dirty="0"/>
           </a:p>
         </p:txBody>
       </p:sp>
@@ -3551,7 +3547,7 @@
           <a:p>
             <a:pPr algn="ctr"/>
             <a:r>
-              <a:rPr lang="en-US" sz="1050" dirty="0" err="1">
+              <a:rPr lang="en-US" sz="1050" dirty="0">
                 <a:solidFill>
                   <a:schemeClr val="bg1"/>
                 </a:solidFill>
@@ -3607,7 +3603,7 @@
           <a:p>
             <a:pPr algn="ctr"/>
             <a:r>
-              <a:rPr lang="en-US" sz="1050" b="1" dirty="0" err="1" smtClean="0">
+              <a:rPr lang="en-US" sz="1050" b="1" dirty="0">
                 <a:solidFill>
                   <a:srgbClr val="0070C0"/>
                 </a:solidFill>
@@ -3666,7 +3662,7 @@
           <a:p>
             <a:pPr algn="ctr"/>
             <a:r>
-              <a:rPr lang="en-US" sz="1050" dirty="0" err="1">
+              <a:rPr lang="en-US" sz="1050" dirty="0">
                 <a:solidFill>
                   <a:schemeClr val="bg1"/>
                 </a:solidFill>
@@ -3939,18 +3935,13 @@
           <a:p>
             <a:pPr algn="ctr"/>
             <a:r>
-              <a:rPr lang="en-US" sz="1050" dirty="0" err="1" smtClean="0">
+              <a:rPr lang="en-US" sz="1050" dirty="0">
                 <a:solidFill>
                   <a:schemeClr val="bg1"/>
                 </a:solidFill>
               </a:rPr>
-              <a:t>AddressBook</a:t>
-            </a:r>
-            <a:endParaRPr lang="en-US" sz="1050" dirty="0">
-              <a:solidFill>
-                <a:schemeClr val="bg1"/>
-              </a:solidFill>
-            </a:endParaRPr>
+              <a:t>MoviePlanner</a:t>
+            </a:r>
           </a:p>
           <a:p>
             <a:pPr algn="ctr"/>
@@ -4127,7 +4118,7 @@
           <a:lstStyle/>
           <a:p>
             <a:pPr algn="ctr"/>
-            <a:endParaRPr lang="en-SG" sz="1050" b="1">
+            <a:endParaRPr lang="en-SG" sz="1050" b="1" dirty="0">
               <a:solidFill>
                 <a:srgbClr val="92D050"/>
               </a:solidFill>
@@ -4398,7 +4389,7 @@
             <a:lstStyle/>
             <a:p>
               <a:pPr algn="ctr"/>
-              <a:endParaRPr lang="en-SG"/>
+              <a:endParaRPr lang="en-SG" dirty="0"/>
             </a:p>
           </p:txBody>
         </p:sp>
@@ -4497,7 +4488,7 @@
             <a:lstStyle/>
             <a:p>
               <a:pPr algn="ctr"/>
-              <a:endParaRPr lang="en-SG"/>
+              <a:endParaRPr lang="en-SG" dirty="0"/>
             </a:p>
           </p:txBody>
         </p:sp>
@@ -4632,7 +4623,7 @@
           <a:p>
             <a:pPr algn="ctr"/>
             <a:r>
-              <a:rPr lang="en-US" sz="1050">
+              <a:rPr lang="en-US" sz="1050" dirty="0">
                 <a:solidFill>
                   <a:schemeClr val="bg1"/>
                 </a:solidFill>
@@ -4640,14 +4631,14 @@
               <a:t>Argument</a:t>
             </a:r>
             <a:br>
-              <a:rPr lang="en-US" sz="1050">
+              <a:rPr lang="en-US" sz="1050" dirty="0">
                 <a:solidFill>
                   <a:schemeClr val="bg1"/>
                 </a:solidFill>
               </a:rPr>
             </a:br>
             <a:r>
-              <a:rPr lang="en-US" sz="1050">
+              <a:rPr lang="en-US" sz="1050" dirty="0">
                 <a:solidFill>
                   <a:schemeClr val="bg1"/>
                 </a:solidFill>
@@ -4777,18 +4768,13 @@
           <a:p>
             <a:pPr algn="ctr"/>
             <a:r>
-              <a:rPr lang="en-SG" sz="1050" dirty="0" err="1">
+              <a:rPr lang="en-SG" sz="1050" dirty="0">
                 <a:solidFill>
                   <a:schemeClr val="bg1"/>
                 </a:solidFill>
               </a:rPr>
               <a:t>CliSyntax</a:t>
             </a:r>
-            <a:endParaRPr lang="en-SG" sz="1050" dirty="0">
-              <a:solidFill>
-                <a:schemeClr val="bg1"/>
-              </a:solidFill>
-            </a:endParaRPr>
           </a:p>
         </p:txBody>
       </p:sp>
@@ -4842,18 +4828,13 @@
           <a:p>
             <a:pPr algn="ctr"/>
             <a:r>
-              <a:rPr lang="en-SG" sz="1050" dirty="0" err="1">
+              <a:rPr lang="en-SG" sz="1050" dirty="0">
                 <a:solidFill>
                   <a:schemeClr val="bg1"/>
                 </a:solidFill>
               </a:rPr>
               <a:t>ParserUtil</a:t>
             </a:r>
-            <a:endParaRPr lang="en-SG" sz="1050" dirty="0">
-              <a:solidFill>
-                <a:schemeClr val="bg1"/>
-              </a:solidFill>
-            </a:endParaRPr>
           </a:p>
         </p:txBody>
       </p:sp>
@@ -5049,7 +5030,7 @@
             <a:lstStyle/>
             <a:p>
               <a:pPr algn="ctr"/>
-              <a:endParaRPr lang="en-SG"/>
+              <a:endParaRPr lang="en-SG" dirty="0"/>
             </a:p>
           </p:txBody>
         </p:sp>
@@ -5100,7 +5081,7 @@
           <a:lstStyle/>
           <a:p>
             <a:pPr algn="ctr"/>
-            <a:endParaRPr lang="en-SG" sz="1050" b="1">
+            <a:endParaRPr lang="en-SG" sz="1050" b="1" dirty="0">
               <a:solidFill>
                 <a:srgbClr val="92D050"/>
               </a:solidFill>
@@ -5409,7 +5390,7 @@
           <a:p>
             <a:pPr algn="ctr"/>
             <a:r>
-              <a:rPr lang="en-US" sz="1050">
+              <a:rPr lang="en-US" sz="1050" dirty="0">
                 <a:solidFill>
                   <a:schemeClr val="bg1"/>
                 </a:solidFill>
@@ -5517,7 +5498,7 @@
           <p:cNvPr id="97" name="Rectangle 96">
             <a:extLst>
               <a:ext uri="{FF2B5EF4-FFF2-40B4-BE49-F238E27FC236}">
-                <a16:creationId xmlns="" xmlns:a16="http://schemas.microsoft.com/office/drawing/2014/main" id="{AADE6A0C-89AB-467B-8CEA-5FCF36CE0D21}"/>
+                <a16:creationId xmlns:a16="http://schemas.microsoft.com/office/drawing/2014/main" id="{AADE6A0C-89AB-467B-8CEA-5FCF36CE0D21}"/>
               </a:ext>
             </a:extLst>
           </p:cNvPr>
@@ -5621,7 +5602,7 @@
           <a:lstStyle/>
           <a:p>
             <a:pPr algn="ctr"/>
-            <a:endParaRPr lang="en-SG" sz="1050" b="1">
+            <a:endParaRPr lang="en-SG" sz="1050" b="1" dirty="0">
               <a:solidFill>
                 <a:srgbClr val="92D050"/>
               </a:solidFill>
@@ -5729,7 +5710,7 @@
             <a:lstStyle/>
             <a:p>
               <a:pPr algn="ctr"/>
-              <a:endParaRPr lang="en-SG"/>
+              <a:endParaRPr lang="en-SG" dirty="0"/>
             </a:p>
           </p:txBody>
         </p:sp>
@@ -5815,18 +5796,13 @@
           <a:p>
             <a:pPr algn="ctr"/>
             <a:r>
-              <a:rPr lang="en-US" sz="1050" b="1" dirty="0" err="1" smtClean="0">
+              <a:rPr lang="en-US" sz="1050" b="1" dirty="0">
                 <a:solidFill>
                   <a:schemeClr val="bg1"/>
                 </a:solidFill>
               </a:rPr>
               <a:t>XYZCommand</a:t>
             </a:r>
-            <a:endParaRPr lang="en-US" sz="1050" b="1" dirty="0">
-              <a:solidFill>
-                <a:schemeClr val="bg1"/>
-              </a:solidFill>
-            </a:endParaRPr>
           </a:p>
           <a:p>
             <a:pPr algn="ctr"/>
@@ -6165,58 +6141,13 @@
           <a:p>
             <a:pPr algn="ctr"/>
             <a:r>
-              <a:rPr lang="en-US" sz="1050" dirty="0" err="1" smtClean="0">
+              <a:rPr lang="en-US" sz="1050" dirty="0">
                 <a:solidFill>
                   <a:schemeClr val="bg1"/>
                 </a:solidFill>
               </a:rPr>
-              <a:t>XYZCommand</a:t>
-            </a:r>
-            <a:r>
-              <a:rPr lang="en-US" sz="1050" dirty="0" smtClean="0">
-                <a:solidFill>
-                  <a:schemeClr val="bg1"/>
-                </a:solidFill>
-              </a:rPr>
-              <a:t> = </a:t>
-            </a:r>
-            <a:r>
-              <a:rPr lang="en-US" sz="1050" dirty="0" err="1" smtClean="0">
-                <a:solidFill>
-                  <a:schemeClr val="bg1"/>
-                </a:solidFill>
-              </a:rPr>
-              <a:t>AddCommand</a:t>
-            </a:r>
-            <a:r>
-              <a:rPr lang="en-US" sz="1050" dirty="0" smtClean="0">
-                <a:solidFill>
-                  <a:schemeClr val="bg1"/>
-                </a:solidFill>
-              </a:rPr>
-              <a:t>, </a:t>
-            </a:r>
-            <a:r>
-              <a:rPr lang="en-US" sz="1050" dirty="0" err="1" smtClean="0">
-                <a:solidFill>
-                  <a:schemeClr val="bg1"/>
-                </a:solidFill>
-              </a:rPr>
-              <a:t>FindCommand</a:t>
-            </a:r>
-            <a:r>
-              <a:rPr lang="en-US" sz="1050" dirty="0" smtClean="0">
-                <a:solidFill>
-                  <a:schemeClr val="bg1"/>
-                </a:solidFill>
-              </a:rPr>
-              <a:t>, etc.</a:t>
-            </a:r>
-            <a:endParaRPr lang="en-US" sz="1050" dirty="0">
-              <a:solidFill>
-                <a:schemeClr val="bg1"/>
-              </a:solidFill>
-            </a:endParaRPr>
+              <a:t>XYZCommand = AddCommand, FindCommand, etc.</a:t>
+            </a:r>
           </a:p>
         </p:txBody>
       </p:sp>
@@ -6264,23 +6195,18 @@
           <a:p>
             <a:pPr algn="ctr"/>
             <a:r>
-              <a:rPr lang="en-US" sz="1050" dirty="0" err="1" smtClean="0">
+              <a:rPr lang="en-US" sz="1050" dirty="0">
                 <a:solidFill>
                   <a:schemeClr val="bg1"/>
                 </a:solidFill>
               </a:rPr>
               <a:t>UndoRedo</a:t>
             </a:r>
-            <a:endParaRPr lang="en-US" sz="1050" dirty="0" smtClean="0">
-              <a:solidFill>
-                <a:schemeClr val="bg1"/>
-              </a:solidFill>
-            </a:endParaRPr>
           </a:p>
           <a:p>
             <a:pPr algn="ctr"/>
             <a:r>
-              <a:rPr lang="en-US" sz="1050" dirty="0" smtClean="0">
+              <a:rPr lang="en-US" sz="1050" dirty="0">
                 <a:solidFill>
                   <a:schemeClr val="bg1"/>
                 </a:solidFill>
